--- a/XGBoost_spam_filter/XGBoost_spam_filter.pptx
+++ b/XGBoost_spam_filter/XGBoost_spam_filter.pptx
@@ -138,6 +138,22 @@
 
 <file path=ppt/changesInfos/changesInfo1.xml><?xml version="1.0" encoding="utf-8"?>
 <pc:chgInfo xmlns:a="http://schemas.openxmlformats.org/drawingml/2006/main" xmlns:r="http://schemas.openxmlformats.org/officeDocument/2006/relationships" xmlns:ac="http://schemas.microsoft.com/office/drawing/2013/main/command" xmlns:pc="http://schemas.microsoft.com/office/powerpoint/2013/main/command">
+  <pc:docChgLst>
+    <pc:chgData name="Artjoms Dobiss (U2187128)" userId="S::u2187128@unimail.hud.ac.uk::4e7b49fa-75fc-409f-bbee-807812feb244" providerId="AD" clId="Web-{6DBCF0EC-484B-58DF-9E2D-B7C9C4D2553E}"/>
+    <pc:docChg chg="sldOrd">
+      <pc:chgData name="Artjoms Dobiss (U2187128)" userId="S::u2187128@unimail.hud.ac.uk::4e7b49fa-75fc-409f-bbee-807812feb244" providerId="AD" clId="Web-{6DBCF0EC-484B-58DF-9E2D-B7C9C4D2553E}" dt="2021-12-16T14:49:37.671" v="0"/>
+      <pc:docMkLst>
+        <pc:docMk/>
+      </pc:docMkLst>
+      <pc:sldChg chg="ord">
+        <pc:chgData name="Artjoms Dobiss (U2187128)" userId="S::u2187128@unimail.hud.ac.uk::4e7b49fa-75fc-409f-bbee-807812feb244" providerId="AD" clId="Web-{6DBCF0EC-484B-58DF-9E2D-B7C9C4D2553E}" dt="2021-12-16T14:49:37.671" v="0"/>
+        <pc:sldMkLst>
+          <pc:docMk/>
+          <pc:sldMk cId="3976833265" sldId="265"/>
+        </pc:sldMkLst>
+      </pc:sldChg>
+    </pc:docChg>
+  </pc:docChgLst>
   <pc:docChgLst>
     <pc:chgData name="Artjoms Dobiss (U2187128)" userId="S::u2187128@unimail.hud.ac.uk::4e7b49fa-75fc-409f-bbee-807812feb244" providerId="AD" clId="Web-{87A632D1-BABA-026D-7F92-8FD4CFBE22CA}"/>
     <pc:docChg chg="modSld">
@@ -1168,22 +1184,6 @@
       </pc:sldChg>
     </pc:docChg>
   </pc:docChgLst>
-  <pc:docChgLst>
-    <pc:chgData name="Artjoms Dobiss (U2187128)" userId="S::u2187128@unimail.hud.ac.uk::4e7b49fa-75fc-409f-bbee-807812feb244" providerId="AD" clId="Web-{6DBCF0EC-484B-58DF-9E2D-B7C9C4D2553E}"/>
-    <pc:docChg chg="sldOrd">
-      <pc:chgData name="Artjoms Dobiss (U2187128)" userId="S::u2187128@unimail.hud.ac.uk::4e7b49fa-75fc-409f-bbee-807812feb244" providerId="AD" clId="Web-{6DBCF0EC-484B-58DF-9E2D-B7C9C4D2553E}" dt="2021-12-16T14:49:37.671" v="0"/>
-      <pc:docMkLst>
-        <pc:docMk/>
-      </pc:docMkLst>
-      <pc:sldChg chg="ord">
-        <pc:chgData name="Artjoms Dobiss (U2187128)" userId="S::u2187128@unimail.hud.ac.uk::4e7b49fa-75fc-409f-bbee-807812feb244" providerId="AD" clId="Web-{6DBCF0EC-484B-58DF-9E2D-B7C9C4D2553E}" dt="2021-12-16T14:49:37.671" v="0"/>
-        <pc:sldMkLst>
-          <pc:docMk/>
-          <pc:sldMk cId="3976833265" sldId="265"/>
-        </pc:sldMkLst>
-      </pc:sldChg>
-    </pc:docChg>
-  </pc:docChgLst>
 </pc:chgInfo>
 </file>
 
@@ -1269,7 +1269,7 @@
           <a:p>
             <a:fld id="{3BA33486-5B71-489D-A5F5-51372A31CEC0}" type="datetimeFigureOut">
               <a:rPr lang="en-GB" smtClean="0"/>
-              <a:t>17/12/2021</a:t>
+              <a:t>11/03/2022</a:t>
             </a:fld>
             <a:endParaRPr lang="en-GB"/>
           </a:p>
@@ -2036,7 +2036,7 @@
           <a:p>
             <a:fld id="{8C1E1FAD-7351-4908-963A-08EA8E4AB7A0}" type="datetimeFigureOut">
               <a:rPr lang="en-US" smtClean="0"/>
-              <a:t>12/17/2021</a:t>
+              <a:t>3/11/2022</a:t>
             </a:fld>
             <a:endParaRPr lang="en-US"/>
           </a:p>
@@ -2234,7 +2234,7 @@
           <a:p>
             <a:fld id="{8C1E1FAD-7351-4908-963A-08EA8E4AB7A0}" type="datetimeFigureOut">
               <a:rPr lang="en-US" smtClean="0"/>
-              <a:t>12/17/2021</a:t>
+              <a:t>3/11/2022</a:t>
             </a:fld>
             <a:endParaRPr lang="en-US"/>
           </a:p>
@@ -2442,7 +2442,7 @@
           <a:p>
             <a:fld id="{8C1E1FAD-7351-4908-963A-08EA8E4AB7A0}" type="datetimeFigureOut">
               <a:rPr lang="en-US" smtClean="0"/>
-              <a:t>12/17/2021</a:t>
+              <a:t>3/11/2022</a:t>
             </a:fld>
             <a:endParaRPr lang="en-US"/>
           </a:p>
@@ -2671,7 +2671,7 @@
           <a:p>
             <a:fld id="{8C1E1FAD-7351-4908-963A-08EA8E4AB7A0}" type="datetimeFigureOut">
               <a:rPr lang="en-US" smtClean="0"/>
-              <a:t>12/17/2021</a:t>
+              <a:t>3/11/2022</a:t>
             </a:fld>
             <a:endParaRPr lang="en-US"/>
           </a:p>
@@ -2948,7 +2948,7 @@
           <a:p>
             <a:fld id="{8C1E1FAD-7351-4908-963A-08EA8E4AB7A0}" type="datetimeFigureOut">
               <a:rPr lang="en-US" smtClean="0"/>
-              <a:t>12/17/2021</a:t>
+              <a:t>3/11/2022</a:t>
             </a:fld>
             <a:endParaRPr lang="en-US"/>
           </a:p>
@@ -3213,7 +3213,7 @@
           <a:p>
             <a:fld id="{8C1E1FAD-7351-4908-963A-08EA8E4AB7A0}" type="datetimeFigureOut">
               <a:rPr lang="en-US" smtClean="0"/>
-              <a:t>12/17/2021</a:t>
+              <a:t>3/11/2022</a:t>
             </a:fld>
             <a:endParaRPr lang="en-US"/>
           </a:p>
@@ -3629,7 +3629,7 @@
           <a:p>
             <a:fld id="{8C1E1FAD-7351-4908-963A-08EA8E4AB7A0}" type="datetimeFigureOut">
               <a:rPr lang="en-US" smtClean="0"/>
-              <a:t>12/17/2021</a:t>
+              <a:t>3/11/2022</a:t>
             </a:fld>
             <a:endParaRPr lang="en-US"/>
           </a:p>
@@ -3775,7 +3775,7 @@
           <a:p>
             <a:fld id="{8C1E1FAD-7351-4908-963A-08EA8E4AB7A0}" type="datetimeFigureOut">
               <a:rPr lang="en-US" smtClean="0"/>
-              <a:t>12/17/2021</a:t>
+              <a:t>3/11/2022</a:t>
             </a:fld>
             <a:endParaRPr lang="en-US"/>
           </a:p>
@@ -3888,7 +3888,7 @@
           <a:p>
             <a:fld id="{8C1E1FAD-7351-4908-963A-08EA8E4AB7A0}" type="datetimeFigureOut">
               <a:rPr lang="en-US" smtClean="0"/>
-              <a:t>12/17/2021</a:t>
+              <a:t>3/11/2022</a:t>
             </a:fld>
             <a:endParaRPr lang="en-US"/>
           </a:p>
@@ -4203,7 +4203,7 @@
           <a:p>
             <a:fld id="{8C1E1FAD-7351-4908-963A-08EA8E4AB7A0}" type="datetimeFigureOut">
               <a:rPr lang="en-US" smtClean="0"/>
-              <a:t>12/17/2021</a:t>
+              <a:t>3/11/2022</a:t>
             </a:fld>
             <a:endParaRPr lang="en-US"/>
           </a:p>
@@ -4496,7 +4496,7 @@
           <a:p>
             <a:fld id="{8C1E1FAD-7351-4908-963A-08EA8E4AB7A0}" type="datetimeFigureOut">
               <a:rPr lang="en-US" smtClean="0"/>
-              <a:t>12/17/2021</a:t>
+              <a:t>3/11/2022</a:t>
             </a:fld>
             <a:endParaRPr lang="en-US"/>
           </a:p>
@@ -4736,7 +4736,7 @@
             <a:fld id="{8C1E1FAD-7351-4908-963A-08EA8E4AB7A0}" type="datetimeFigureOut">
               <a:rPr lang="en-US" smtClean="0"/>
               <a:pPr/>
-              <a:t>12/17/2021</a:t>
+              <a:t>3/11/2022</a:t>
             </a:fld>
             <a:endParaRPr lang="en-US"/>
           </a:p>
@@ -24382,7 +24382,7 @@
           <a:lstStyle/>
           <a:p>
             <a:r>
-              <a:rPr lang="en-GB"/>
+              <a:rPr lang="en-GB" dirty="0"/>
               <a:t>Objective</a:t>
             </a:r>
           </a:p>
@@ -24410,13 +24410,13 @@
           <a:lstStyle/>
           <a:p>
             <a:r>
-              <a:rPr lang="en-GB"/>
+              <a:rPr lang="en-GB" dirty="0"/>
               <a:t>Create a spam filter that is good from the cybersecurity perspective</a:t>
             </a:r>
           </a:p>
           <a:p>
             <a:r>
-              <a:rPr lang="en-GB"/>
+              <a:rPr lang="en-GB" dirty="0"/>
               <a:t>As the result FN have much bigger effect than FP</a:t>
             </a:r>
           </a:p>
@@ -24502,8 +24502,12 @@
           <a:lstStyle/>
           <a:p>
             <a:r>
+              <a:rPr lang="en-GB"/>
+              <a:t>5,693 </a:t>
+            </a:r>
+            <a:r>
               <a:rPr lang="en-GB" dirty="0"/>
-              <a:t>5,697 labelled emails</a:t>
+              <a:t>labelled emails</a:t>
             </a:r>
           </a:p>
           <a:p>
@@ -24636,7 +24640,7 @@
           <a:p>
             <a:r>
               <a:rPr lang="en-GB" dirty="0"/>
-              <a:t>L1 &amp; L2 regularisation can be easily implemented as boosted algorithms are sensitive to outliers (i.e. prediction is far from actual class)</a:t>
+              <a:t>L1 regularisation can be easily implemented as boosted algorithms are sensitive to outliers (i.e. prediction is far from actual class)</a:t>
             </a:r>
           </a:p>
           <a:p>
@@ -24752,7 +24756,7 @@
           <a:p>
             <a:r>
               <a:rPr lang="en-GB" dirty="0"/>
-              <a:t>Each datapoint (email) ended up having the same features as the result which is good for tree-based algorithms</a:t>
+              <a:t>Each datapoint (email) ended up having the same feature vector length as the result which is good for tree-based algorithms</a:t>
             </a:r>
           </a:p>
           <a:p>
@@ -26038,7 +26042,7 @@
           <a:p>
             <a:r>
               <a:rPr lang="en-GB" dirty="0"/>
-              <a:t>Feature selection/ reduction can potentially be significantly improved as feature correlation is high judging by feature correlation map </a:t>
+              <a:t>Feature selection/ reduction can potentially be significantly improved as feature correlation is high judging by a feature correlation map </a:t>
             </a:r>
             <a:r>
               <a:rPr lang="en-GB" i="1" dirty="0"/>
@@ -26048,7 +26052,15 @@
           <a:p>
             <a:r>
               <a:rPr lang="en-GB" dirty="0"/>
-              <a:t>Hyperparameter tuning can be automated to yield better results</a:t>
+              <a:t>Hyperparameter tuning can be automated to yield better results (e.g. </a:t>
+            </a:r>
+            <a:r>
+              <a:rPr lang="en-GB" dirty="0" err="1"/>
+              <a:t>GridSearchCV</a:t>
+            </a:r>
+            <a:r>
+              <a:rPr lang="en-GB" dirty="0"/>
+              <a:t>)</a:t>
             </a:r>
           </a:p>
         </p:txBody>
